--- a/Презентация.pptx
+++ b/Презентация.pptx
@@ -118,7 +118,7 @@
   </p:defaultTextStyle>
   <p:extLst>
     <p:ext uri="{EFAFB233-063F-42B5-8137-9DF3F51BA10A}">
-      <p15:sldGuideLst xmlns="" xmlns:p15="http://schemas.microsoft.com/office/powerpoint/2012/main">
+      <p15:sldGuideLst xmlns:p15="http://schemas.microsoft.com/office/powerpoint/2012/main" xmlns="">
         <p15:guide id="1" orient="horz" pos="2160">
           <p15:clr>
             <a:srgbClr val="A4A3A4"/>
@@ -218,7 +218,7 @@
             <a:fld id="{38C96FFA-D5AF-4D3A-AFD6-FFB00D976B02}" type="datetimeFigureOut">
               <a:rPr lang="ru-RU" smtClean="0"/>
               <a:pPr/>
-              <a:t>31.05.2015</a:t>
+              <a:t>01.06.2015</a:t>
             </a:fld>
             <a:endParaRPr lang="ru-RU"/>
           </a:p>
@@ -671,7 +671,7 @@
             <a:fld id="{44B938E9-7C38-4327-8448-A09C5A1465B2}" type="datetime1">
               <a:rPr lang="ru-RU" smtClean="0"/>
               <a:pPr/>
-              <a:t>31.05.2015</a:t>
+              <a:t>01.06.2015</a:t>
             </a:fld>
             <a:endParaRPr lang="ru-RU"/>
           </a:p>
@@ -838,7 +838,7 @@
             <a:fld id="{E5812196-C813-4C92-861D-A5D5F069D9B5}" type="datetime1">
               <a:rPr lang="ru-RU" smtClean="0"/>
               <a:pPr/>
-              <a:t>31.05.2015</a:t>
+              <a:t>01.06.2015</a:t>
             </a:fld>
             <a:endParaRPr lang="ru-RU"/>
           </a:p>
@@ -1015,7 +1015,7 @@
             <a:fld id="{EA698F78-95E1-4911-AA1E-DFAB184A9B7F}" type="datetime1">
               <a:rPr lang="ru-RU" smtClean="0"/>
               <a:pPr/>
-              <a:t>31.05.2015</a:t>
+              <a:t>01.06.2015</a:t>
             </a:fld>
             <a:endParaRPr lang="ru-RU"/>
           </a:p>
@@ -1182,7 +1182,7 @@
             <a:fld id="{9BBF1E6D-2EAD-48A5-915B-435BEBDB44EF}" type="datetime1">
               <a:rPr lang="ru-RU" smtClean="0"/>
               <a:pPr/>
-              <a:t>31.05.2015</a:t>
+              <a:t>01.06.2015</a:t>
             </a:fld>
             <a:endParaRPr lang="ru-RU"/>
           </a:p>
@@ -1425,7 +1425,7 @@
             <a:fld id="{C29B968B-63C1-4E8C-B9CD-076AE5322DE5}" type="datetime1">
               <a:rPr lang="ru-RU" smtClean="0"/>
               <a:pPr/>
-              <a:t>31.05.2015</a:t>
+              <a:t>01.06.2015</a:t>
             </a:fld>
             <a:endParaRPr lang="ru-RU"/>
           </a:p>
@@ -1710,7 +1710,7 @@
             <a:fld id="{E394FF8D-9AC7-4249-B41A-574FC2BC1337}" type="datetime1">
               <a:rPr lang="ru-RU" smtClean="0"/>
               <a:pPr/>
-              <a:t>31.05.2015</a:t>
+              <a:t>01.06.2015</a:t>
             </a:fld>
             <a:endParaRPr lang="ru-RU"/>
           </a:p>
@@ -2129,7 +2129,7 @@
             <a:fld id="{9F1AAD2A-ACF7-4FAE-9053-49A3F2056069}" type="datetime1">
               <a:rPr lang="ru-RU" smtClean="0"/>
               <a:pPr/>
-              <a:t>31.05.2015</a:t>
+              <a:t>01.06.2015</a:t>
             </a:fld>
             <a:endParaRPr lang="ru-RU"/>
           </a:p>
@@ -2244,7 +2244,7 @@
             <a:fld id="{0305E48C-A0E2-4F26-836C-1D2C8F0E2C8E}" type="datetime1">
               <a:rPr lang="ru-RU" smtClean="0"/>
               <a:pPr/>
-              <a:t>31.05.2015</a:t>
+              <a:t>01.06.2015</a:t>
             </a:fld>
             <a:endParaRPr lang="ru-RU"/>
           </a:p>
@@ -2336,7 +2336,7 @@
             <a:fld id="{DD2FAD12-2B25-4A62-9116-F05952B77682}" type="datetime1">
               <a:rPr lang="ru-RU" smtClean="0"/>
               <a:pPr/>
-              <a:t>31.05.2015</a:t>
+              <a:t>01.06.2015</a:t>
             </a:fld>
             <a:endParaRPr lang="ru-RU"/>
           </a:p>
@@ -2610,7 +2610,7 @@
             <a:fld id="{4DBDAB1F-7283-4BCA-86B6-C41886BD3F2C}" type="datetime1">
               <a:rPr lang="ru-RU" smtClean="0"/>
               <a:pPr/>
-              <a:t>31.05.2015</a:t>
+              <a:t>01.06.2015</a:t>
             </a:fld>
             <a:endParaRPr lang="ru-RU"/>
           </a:p>
@@ -2860,7 +2860,7 @@
             <a:fld id="{750B19A0-846F-4A16-97FB-E4F9A4908EE7}" type="datetime1">
               <a:rPr lang="ru-RU" smtClean="0"/>
               <a:pPr/>
-              <a:t>31.05.2015</a:t>
+              <a:t>01.06.2015</a:t>
             </a:fld>
             <a:endParaRPr lang="ru-RU"/>
           </a:p>
@@ -3070,7 +3070,7 @@
             <a:fld id="{FD7ACFD4-B856-45D5-88FE-07229631BF24}" type="datetime1">
               <a:rPr lang="ru-RU" smtClean="0"/>
               <a:pPr/>
-              <a:t>31.05.2015</a:t>
+              <a:t>01.06.2015</a:t>
             </a:fld>
             <a:endParaRPr lang="ru-RU"/>
           </a:p>
@@ -3622,7 +3622,7 @@
         </p:spPr>
         <p:txBody>
           <a:bodyPr>
-            <a:normAutofit fontScale="92500"/>
+            <a:normAutofit lnSpcReduction="10000"/>
           </a:bodyPr>
           <a:lstStyle/>
           <a:p>
@@ -3686,7 +3686,6 @@
               <a:rPr lang="en-US" sz="2400" dirty="0" smtClean="0"/>
               <a:t>FBD</a:t>
             </a:r>
-            <a:endParaRPr lang="en-US" sz="2400" dirty="0" smtClean="0"/>
           </a:p>
           <a:p>
             <a:pPr marL="0" indent="0">
@@ -3719,8 +3718,13 @@
             </a:r>
             <a:r>
               <a:rPr lang="ru-RU" sz="2400" dirty="0" smtClean="0"/>
-              <a:t>Изучена структура блока логического управления космического аппарата</a:t>
-            </a:r>
+              <a:t>Изучена структура </a:t>
+            </a:r>
+            <a:r>
+              <a:rPr lang="ru-RU" sz="2400" dirty="0" smtClean="0"/>
+              <a:t>логических формул</a:t>
+            </a:r>
+            <a:endParaRPr lang="ru-RU" sz="2400" dirty="0" smtClean="0"/>
           </a:p>
           <a:p>
             <a:pPr>
@@ -3735,11 +3739,7 @@
             </a:r>
             <a:r>
               <a:rPr lang="ru-RU" sz="2400" dirty="0" smtClean="0"/>
-              <a:t>	</a:t>
-            </a:r>
-            <a:r>
-              <a:rPr lang="ru-RU" sz="2400" dirty="0" smtClean="0"/>
-              <a:t>Изучена структура программы </a:t>
+              <a:t>	Изучена структура программы </a:t>
             </a:r>
             <a:r>
               <a:rPr lang="en-US" sz="2400" dirty="0" smtClean="0"/>
@@ -3764,7 +3764,15 @@
             </a:pPr>
             <a:r>
               <a:rPr lang="ru-RU" sz="2400" dirty="0" smtClean="0"/>
-              <a:t>3.	Выполнено программирование блок-схем алгоритмов на языке визуального программирования </a:t>
+              <a:t>3.	Выполнено </a:t>
+            </a:r>
+            <a:r>
+              <a:rPr lang="ru-RU" sz="2400" dirty="0" smtClean="0"/>
+              <a:t>преобразование логических формул на язык </a:t>
+            </a:r>
+            <a:r>
+              <a:rPr lang="ru-RU" sz="2400" dirty="0" smtClean="0"/>
+              <a:t>визуального программирования </a:t>
             </a:r>
             <a:r>
               <a:rPr lang="en-US" sz="2400" dirty="0" smtClean="0"/>
@@ -3791,19 +3799,11 @@
             </a:r>
             <a:r>
               <a:rPr lang="en-US" sz="2400" dirty="0" smtClean="0"/>
-              <a:t>FBD</a:t>
-            </a:r>
-            <a:r>
-              <a:rPr lang="en-US" sz="2400" dirty="0" smtClean="0"/>
-              <a:t>,</a:t>
+              <a:t>FBD,</a:t>
             </a:r>
             <a:r>
               <a:rPr lang="ru-RU" sz="2400" dirty="0" smtClean="0"/>
-              <a:t> </a:t>
-            </a:r>
-            <a:r>
-              <a:rPr lang="ru-RU" sz="2400" dirty="0" smtClean="0"/>
-              <a:t>в среде </a:t>
+              <a:t> в среде </a:t>
             </a:r>
             <a:r>
               <a:rPr lang="en-US" sz="2400" dirty="0" err="1" smtClean="0"/>
@@ -4004,22 +4004,19 @@
             </a:pPr>
             <a:r>
               <a:rPr lang="ru-RU" sz="2000" dirty="0" smtClean="0"/>
-              <a:t>Блок-схемы алгоритмов ЦПМ</a:t>
-            </a:r>
-            <a:r>
-              <a:rPr lang="en-US" sz="2000" dirty="0" smtClean="0"/>
-              <a:t> </a:t>
-            </a:r>
-          </a:p>
-          <a:p>
-            <a:pPr lvl="1">
-              <a:spcBef>
-                <a:spcPts val="0"/>
-              </a:spcBef>
-            </a:pPr>
+              <a:t>Логические </a:t>
+            </a:r>
             <a:r>
               <a:rPr lang="ru-RU" sz="2000" dirty="0" smtClean="0"/>
-              <a:t>Логические функции ИМС КО</a:t>
+              <a:t>формулы </a:t>
+            </a:r>
+            <a:r>
+              <a:rPr lang="ru-RU" sz="2000" dirty="0" smtClean="0"/>
+              <a:t>ИМС </a:t>
+            </a:r>
+            <a:r>
+              <a:rPr lang="ru-RU" sz="2000" dirty="0" smtClean="0"/>
+              <a:t>КО</a:t>
             </a:r>
             <a:endParaRPr lang="en-US" sz="2000" dirty="0" smtClean="0"/>
           </a:p>
@@ -4059,11 +4056,7 @@
             </a:r>
             <a:r>
               <a:rPr lang="ru-RU" sz="2000" dirty="0" smtClean="0"/>
-              <a:t>ыполнить </a:t>
-            </a:r>
-            <a:r>
-              <a:rPr lang="ru-RU" sz="2000" dirty="0" smtClean="0"/>
-              <a:t>преобразование логических формул на язык </a:t>
+              <a:t>ыполнить преобразование логических формул на язык </a:t>
             </a:r>
             <a:r>
               <a:rPr lang="en-US" sz="2000" dirty="0" smtClean="0"/>
@@ -4073,7 +4066,6 @@
               <a:rPr lang="ru-RU" sz="2000" dirty="0" smtClean="0"/>
               <a:t>с помощью написанной программы</a:t>
             </a:r>
-            <a:endParaRPr lang="ru-RU" sz="2000" dirty="0" smtClean="0"/>
           </a:p>
         </p:txBody>
       </p:sp>
@@ -4958,11 +4950,7 @@
           <a:p>
             <a:r>
               <a:rPr lang="ru-RU" sz="3200" b="1" dirty="0" smtClean="0"/>
-              <a:t>Преобразование </a:t>
-            </a:r>
-            <a:r>
-              <a:rPr lang="ru-RU" sz="3200" b="1" dirty="0" smtClean="0"/>
-              <a:t>в программу </a:t>
+              <a:t>Преобразование в программу </a:t>
             </a:r>
             <a:r>
               <a:rPr lang="en-US" sz="3200" b="1" dirty="0" smtClean="0"/>
@@ -5500,11 +5488,7 @@
           <a:p>
             <a:r>
               <a:rPr lang="ru-RU" b="1" dirty="0" smtClean="0"/>
-              <a:t>Результат </a:t>
-            </a:r>
-            <a:r>
-              <a:rPr lang="ru-RU" b="1" dirty="0" smtClean="0"/>
-              <a:t>в </a:t>
+              <a:t>Результат в </a:t>
             </a:r>
             <a:r>
               <a:rPr lang="en-US" b="1" dirty="0" err="1" smtClean="0"/>
@@ -5671,15 +5655,7 @@
           <a:p>
             <a:r>
               <a:rPr lang="ru-RU" sz="3200" b="1" dirty="0" smtClean="0"/>
-              <a:t>Алгоритм </a:t>
-            </a:r>
-            <a:r>
-              <a:rPr lang="ru-RU" sz="3200" b="1" dirty="0" smtClean="0"/>
-              <a:t>преобразования</a:t>
-            </a:r>
-            <a:r>
-              <a:rPr lang="ru-RU" sz="3200" b="1" dirty="0" smtClean="0"/>
-              <a:t> в функциональные выражения программы </a:t>
+              <a:t>Алгоритм преобразования в функциональные выражения программы </a:t>
             </a:r>
             <a:r>
               <a:rPr lang="en-US" sz="3200" b="1" dirty="0" err="1" smtClean="0"/>
@@ -5845,11 +5821,7 @@
           <a:p>
             <a:r>
               <a:rPr lang="ru-RU" sz="3200" b="1" dirty="0" smtClean="0"/>
-              <a:t>Алгоритм </a:t>
-            </a:r>
-            <a:r>
-              <a:rPr lang="ru-RU" sz="3200" b="1" dirty="0" smtClean="0"/>
-              <a:t>преобразования в </a:t>
+              <a:t>Алгоритм преобразования в </a:t>
             </a:r>
             <a:r>
               <a:rPr lang="en-US" sz="3200" b="1" dirty="0" smtClean="0"/>
